--- a/SuperstoreSalesAnalysis/Superstore Dataset Analysis.pptx
+++ b/SuperstoreSalesAnalysis/Superstore Dataset Analysis.pptx
@@ -8,28 +8,25 @@
     <p:sldId id="256" r:id="rId2"/>
     <p:sldId id="257" r:id="rId3"/>
     <p:sldId id="266" r:id="rId4"/>
-    <p:sldId id="267" r:id="rId5"/>
-    <p:sldId id="268" r:id="rId6"/>
-    <p:sldId id="269" r:id="rId7"/>
-    <p:sldId id="270" r:id="rId8"/>
-    <p:sldId id="271" r:id="rId9"/>
-    <p:sldId id="281" r:id="rId10"/>
-    <p:sldId id="282" r:id="rId11"/>
-    <p:sldId id="283" r:id="rId12"/>
-    <p:sldId id="284" r:id="rId13"/>
-    <p:sldId id="285" r:id="rId14"/>
-    <p:sldId id="272" r:id="rId15"/>
-    <p:sldId id="273" r:id="rId16"/>
-    <p:sldId id="274" r:id="rId17"/>
-    <p:sldId id="275" r:id="rId18"/>
-    <p:sldId id="286" r:id="rId19"/>
-    <p:sldId id="287" r:id="rId20"/>
-    <p:sldId id="293" r:id="rId21"/>
-    <p:sldId id="289" r:id="rId22"/>
-    <p:sldId id="290" r:id="rId23"/>
-    <p:sldId id="292" r:id="rId24"/>
-    <p:sldId id="291" r:id="rId25"/>
-    <p:sldId id="294" r:id="rId26"/>
+    <p:sldId id="268" r:id="rId5"/>
+    <p:sldId id="269" r:id="rId6"/>
+    <p:sldId id="270" r:id="rId7"/>
+    <p:sldId id="271" r:id="rId8"/>
+    <p:sldId id="281" r:id="rId9"/>
+    <p:sldId id="282" r:id="rId10"/>
+    <p:sldId id="283" r:id="rId11"/>
+    <p:sldId id="284" r:id="rId12"/>
+    <p:sldId id="285" r:id="rId13"/>
+    <p:sldId id="272" r:id="rId14"/>
+    <p:sldId id="273" r:id="rId15"/>
+    <p:sldId id="274" r:id="rId16"/>
+    <p:sldId id="275" r:id="rId17"/>
+    <p:sldId id="286" r:id="rId18"/>
+    <p:sldId id="293" r:id="rId19"/>
+    <p:sldId id="298" r:id="rId20"/>
+    <p:sldId id="300" r:id="rId21"/>
+    <p:sldId id="297" r:id="rId22"/>
+    <p:sldId id="299" r:id="rId23"/>
   </p:sldIdLst>
   <p:sldSz cx="12192000" cy="6858000"/>
   <p:notesSz cx="6858000" cy="9144000"/>
@@ -10151,9 +10148,12 @@
 <p:sldMaster xmlns:a="http://schemas.openxmlformats.org/drawingml/2006/main" xmlns:r="http://schemas.openxmlformats.org/officeDocument/2006/relationships" xmlns:p="http://schemas.openxmlformats.org/presentationml/2006/main">
   <p:cSld>
     <p:bg>
-      <p:bgRef idx="1001">
-        <a:schemeClr val="bg1"/>
-      </p:bgRef>
+      <p:bgPr>
+        <a:solidFill>
+          <a:schemeClr val="bg1"/>
+        </a:solidFill>
+        <a:effectLst/>
+      </p:bgPr>
     </p:bg>
     <p:spTree>
       <p:nvGrpSpPr>
@@ -10853,148 +10853,6 @@
         <p:cNvPr id="1" name="">
           <a:extLst>
             <a:ext uri="{FF2B5EF4-FFF2-40B4-BE49-F238E27FC236}">
-              <a16:creationId xmlns:a16="http://schemas.microsoft.com/office/drawing/2014/main" id="{B99A3338-F789-BFAF-D1E7-8D9FD25234CB}"/>
-            </a:ext>
-          </a:extLst>
-        </p:cNvPr>
-        <p:cNvGrpSpPr/>
-        <p:nvPr/>
-      </p:nvGrpSpPr>
-      <p:grpSpPr>
-        <a:xfrm>
-          <a:off x="0" y="0"/>
-          <a:ext cx="0" cy="0"/>
-          <a:chOff x="0" y="0"/>
-          <a:chExt cx="0" cy="0"/>
-        </a:xfrm>
-      </p:grpSpPr>
-      <p:sp>
-        <p:nvSpPr>
-          <p:cNvPr id="2" name="Title 1">
-            <a:extLst>
-              <a:ext uri="{FF2B5EF4-FFF2-40B4-BE49-F238E27FC236}">
-                <a16:creationId xmlns:a16="http://schemas.microsoft.com/office/drawing/2014/main" id="{A4BB207C-850B-4D8B-AA02-01E0C6B6C540}"/>
-              </a:ext>
-            </a:extLst>
-          </p:cNvPr>
-          <p:cNvSpPr>
-            <a:spLocks noGrp="1"/>
-          </p:cNvSpPr>
-          <p:nvPr>
-            <p:ph type="title"/>
-          </p:nvPr>
-        </p:nvSpPr>
-        <p:spPr/>
-        <p:txBody>
-          <a:bodyPr/>
-          <a:lstStyle/>
-          <a:p>
-            <a:pPr algn="ctr"/>
-            <a:r>
-              <a:rPr lang="en-IN" dirty="0">
-                <a:latin typeface="Cascadia Mono" panose="020B0609020000020004" pitchFamily="49" charset="0"/>
-                <a:cs typeface="Cascadia Mono" panose="020B0609020000020004" pitchFamily="49" charset="0"/>
-              </a:rPr>
-              <a:t>Analysis</a:t>
-            </a:r>
-          </a:p>
-        </p:txBody>
-      </p:sp>
-      <p:pic>
-        <p:nvPicPr>
-          <p:cNvPr id="4" name="Graphic 3">
-            <a:extLst>
-              <a:ext uri="{FF2B5EF4-FFF2-40B4-BE49-F238E27FC236}">
-                <a16:creationId xmlns:a16="http://schemas.microsoft.com/office/drawing/2014/main" id="{72E9358E-005F-57C8-3C2D-2C26956F72C6}"/>
-              </a:ext>
-            </a:extLst>
-          </p:cNvPr>
-          <p:cNvPicPr>
-            <a:picLocks noChangeAspect="1"/>
-          </p:cNvPicPr>
-          <p:nvPr/>
-        </p:nvPicPr>
-        <p:blipFill>
-          <a:blip r:embed="rId2">
-            <a:extLst>
-              <a:ext uri="{96DAC541-7B7A-43D3-8B79-37D633B846F1}">
-                <asvg:svgBlip xmlns:asvg="http://schemas.microsoft.com/office/drawing/2016/SVG/main" r:embed="rId3"/>
-              </a:ext>
-            </a:extLst>
-          </a:blip>
-          <a:stretch>
-            <a:fillRect/>
-          </a:stretch>
-        </p:blipFill>
-        <p:spPr>
-          <a:xfrm>
-            <a:off x="5634402" y="5596834"/>
-            <a:ext cx="900000" cy="900000"/>
-          </a:xfrm>
-          <a:prstGeom prst="rect">
-            <a:avLst/>
-          </a:prstGeom>
-        </p:spPr>
-      </p:pic>
-      <p:pic>
-        <p:nvPicPr>
-          <p:cNvPr id="8" name="Content Placeholder 7">
-            <a:extLst>
-              <a:ext uri="{FF2B5EF4-FFF2-40B4-BE49-F238E27FC236}">
-                <a16:creationId xmlns:a16="http://schemas.microsoft.com/office/drawing/2014/main" id="{CBE323C6-6B2F-DABD-0844-E788185D0299}"/>
-              </a:ext>
-            </a:extLst>
-          </p:cNvPr>
-          <p:cNvPicPr>
-            <a:picLocks noGrp="1" noChangeAspect="1"/>
-          </p:cNvPicPr>
-          <p:nvPr>
-            <p:ph idx="1"/>
-          </p:nvPr>
-        </p:nvPicPr>
-        <p:blipFill>
-          <a:blip r:embed="rId4">
-            <a:extLst>
-              <a:ext uri="{28A0092B-C50C-407E-A947-70E740481C1C}">
-                <a14:useLocalDpi xmlns:a14="http://schemas.microsoft.com/office/drawing/2010/main" val="0"/>
-              </a:ext>
-            </a:extLst>
-          </a:blip>
-          <a:stretch>
-            <a:fillRect/>
-          </a:stretch>
-        </p:blipFill>
-        <p:spPr>
-          <a:xfrm>
-            <a:off x="3211455" y="1813992"/>
-            <a:ext cx="5769089" cy="3247537"/>
-          </a:xfrm>
-          <a:prstGeom prst="rect">
-            <a:avLst/>
-          </a:prstGeom>
-        </p:spPr>
-      </p:pic>
-    </p:spTree>
-    <p:extLst>
-      <p:ext uri="{BB962C8B-B14F-4D97-AF65-F5344CB8AC3E}">
-        <p14:creationId xmlns:p14="http://schemas.microsoft.com/office/powerpoint/2010/main" val="1973979031"/>
-      </p:ext>
-    </p:extLst>
-  </p:cSld>
-  <p:clrMapOvr>
-    <a:masterClrMapping/>
-  </p:clrMapOvr>
-</p:sld>
-</file>
-
-<file path=ppt/slides/slide11.xml><?xml version="1.0" encoding="utf-8"?>
-<p:sld xmlns:a="http://schemas.openxmlformats.org/drawingml/2006/main" xmlns:r="http://schemas.openxmlformats.org/officeDocument/2006/relationships" xmlns:p="http://schemas.openxmlformats.org/presentationml/2006/main">
-  <p:cSld>
-    <p:spTree>
-      <p:nvGrpSpPr>
-        <p:cNvPr id="1" name="">
-          <a:extLst>
-            <a:ext uri="{FF2B5EF4-FFF2-40B4-BE49-F238E27FC236}">
               <a16:creationId xmlns:a16="http://schemas.microsoft.com/office/drawing/2014/main" id="{6DE2F9B8-00B9-ED51-0CC4-E000A0EFBD30}"/>
             </a:ext>
           </a:extLst>
@@ -11037,7 +10895,7 @@
                 <a:latin typeface="Cascadia Mono" panose="020B0609020000020004" pitchFamily="49" charset="0"/>
                 <a:cs typeface="Cascadia Mono" panose="020B0609020000020004" pitchFamily="49" charset="0"/>
               </a:rPr>
-              <a:t>Analysis</a:t>
+              <a:t>Canon Copier leads revenue at $61k revenue </a:t>
             </a:r>
           </a:p>
         </p:txBody>
@@ -11129,7 +10987,7 @@
 </p:sld>
 </file>
 
-<file path=ppt/slides/slide12.xml><?xml version="1.0" encoding="utf-8"?>
+<file path=ppt/slides/slide11.xml><?xml version="1.0" encoding="utf-8"?>
 <p:sld xmlns:a="http://schemas.openxmlformats.org/drawingml/2006/main" xmlns:r="http://schemas.openxmlformats.org/officeDocument/2006/relationships" xmlns:p="http://schemas.openxmlformats.org/presentationml/2006/main">
   <p:cSld>
     <p:spTree>
@@ -11179,7 +11037,7 @@
                 <a:latin typeface="Cascadia Mono" panose="020B0609020000020004" pitchFamily="49" charset="0"/>
                 <a:cs typeface="Cascadia Mono" panose="020B0609020000020004" pitchFamily="49" charset="0"/>
               </a:rPr>
-              <a:t>Analysis</a:t>
+              <a:t>Eureka Disposable, the least sold product</a:t>
             </a:r>
           </a:p>
         </p:txBody>
@@ -11271,7 +11129,7 @@
 </p:sld>
 </file>
 
-<file path=ppt/slides/slide13.xml><?xml version="1.0" encoding="utf-8"?>
+<file path=ppt/slides/slide12.xml><?xml version="1.0" encoding="utf-8"?>
 <p:sld xmlns:a="http://schemas.openxmlformats.org/drawingml/2006/main" xmlns:r="http://schemas.openxmlformats.org/officeDocument/2006/relationships" xmlns:p="http://schemas.openxmlformats.org/presentationml/2006/main">
   <p:cSld>
     <p:spTree>
@@ -11321,7 +11179,7 @@
                 <a:latin typeface="Cascadia Mono" panose="020B0609020000020004" pitchFamily="49" charset="0"/>
                 <a:cs typeface="Cascadia Mono" panose="020B0609020000020004" pitchFamily="49" charset="0"/>
               </a:rPr>
-              <a:t>Analysis</a:t>
+              <a:t>Volume sold plummeting to 1 of 94 products</a:t>
             </a:r>
           </a:p>
         </p:txBody>
@@ -11413,7 +11271,7 @@
 </p:sld>
 </file>
 
-<file path=ppt/slides/slide14.xml><?xml version="1.0" encoding="utf-8"?>
+<file path=ppt/slides/slide13.xml><?xml version="1.0" encoding="utf-8"?>
 <p:sld xmlns:a="http://schemas.openxmlformats.org/drawingml/2006/main" xmlns:r="http://schemas.openxmlformats.org/officeDocument/2006/relationships" xmlns:p="http://schemas.openxmlformats.org/presentationml/2006/main">
   <p:cSld>
     <p:spTree>
@@ -11463,7 +11321,7 @@
                 <a:latin typeface="Cascadia Mono" panose="020B0609020000020004" pitchFamily="49" charset="0"/>
                 <a:cs typeface="Cascadia Mono" panose="020B0609020000020004" pitchFamily="49" charset="0"/>
               </a:rPr>
-              <a:t>Analysis</a:t>
+              <a:t>Consumer segment accounts for 50%+ of all sales</a:t>
             </a:r>
           </a:p>
         </p:txBody>
@@ -11555,7 +11413,7 @@
 </p:sld>
 </file>
 
-<file path=ppt/slides/slide15.xml><?xml version="1.0" encoding="utf-8"?>
+<file path=ppt/slides/slide14.xml><?xml version="1.0" encoding="utf-8"?>
 <p:sld xmlns:a="http://schemas.openxmlformats.org/drawingml/2006/main" xmlns:r="http://schemas.openxmlformats.org/officeDocument/2006/relationships" xmlns:p="http://schemas.openxmlformats.org/presentationml/2006/main">
   <p:cSld>
     <p:spTree>
@@ -11605,7 +11463,7 @@
                 <a:latin typeface="Cascadia Mono" panose="020B0609020000020004" pitchFamily="49" charset="0"/>
                 <a:cs typeface="Cascadia Mono" panose="020B0609020000020004" pitchFamily="49" charset="0"/>
               </a:rPr>
-              <a:t>Analysis</a:t>
+              <a:t>West leads the sales, Central shows growth potential </a:t>
             </a:r>
           </a:p>
         </p:txBody>
@@ -11697,7 +11555,7 @@
 </p:sld>
 </file>
 
-<file path=ppt/slides/slide16.xml><?xml version="1.0" encoding="utf-8"?>
+<file path=ppt/slides/slide15.xml><?xml version="1.0" encoding="utf-8"?>
 <p:sld xmlns:a="http://schemas.openxmlformats.org/drawingml/2006/main" xmlns:r="http://schemas.openxmlformats.org/officeDocument/2006/relationships" xmlns:p="http://schemas.openxmlformats.org/presentationml/2006/main">
   <p:cSld>
     <p:spTree>
@@ -11747,7 +11605,7 @@
                 <a:latin typeface="Cascadia Mono" panose="020B0609020000020004" pitchFamily="49" charset="0"/>
                 <a:cs typeface="Cascadia Mono" panose="020B0609020000020004" pitchFamily="49" charset="0"/>
               </a:rPr>
-              <a:t>Analysis</a:t>
+              <a:t>Standards Class shipping preferred by 50%+ customers</a:t>
             </a:r>
           </a:p>
         </p:txBody>
@@ -11839,7 +11697,7 @@
 </p:sld>
 </file>
 
-<file path=ppt/slides/slide17.xml><?xml version="1.0" encoding="utf-8"?>
+<file path=ppt/slides/slide16.xml><?xml version="1.0" encoding="utf-8"?>
 <p:sld xmlns:a="http://schemas.openxmlformats.org/drawingml/2006/main" xmlns:r="http://schemas.openxmlformats.org/officeDocument/2006/relationships" xmlns:p="http://schemas.openxmlformats.org/presentationml/2006/main">
   <p:cSld>
     <p:spTree>
@@ -11889,7 +11747,7 @@
                 <a:latin typeface="Cascadia Mono" panose="020B0609020000020004" pitchFamily="49" charset="0"/>
                 <a:cs typeface="Cascadia Mono" panose="020B0609020000020004" pitchFamily="49" charset="0"/>
               </a:rPr>
-              <a:t>Analysis</a:t>
+              <a:t>Standard Class shipping taking full work-week</a:t>
             </a:r>
           </a:p>
         </p:txBody>
@@ -11981,7 +11839,7 @@
 </p:sld>
 </file>
 
-<file path=ppt/slides/slide18.xml><?xml version="1.0" encoding="utf-8"?>
+<file path=ppt/slides/slide17.xml><?xml version="1.0" encoding="utf-8"?>
 <p:sld xmlns:a="http://schemas.openxmlformats.org/drawingml/2006/main" xmlns:r="http://schemas.openxmlformats.org/officeDocument/2006/relationships" xmlns:p="http://schemas.openxmlformats.org/presentationml/2006/main">
   <p:cSld>
     <p:spTree>
@@ -12031,7 +11889,7 @@
                 <a:latin typeface="Cascadia Mono" panose="020B0609020000020004" pitchFamily="49" charset="0"/>
                 <a:cs typeface="Cascadia Mono" panose="020B0609020000020004" pitchFamily="49" charset="0"/>
               </a:rPr>
-              <a:t>Analysis</a:t>
+              <a:t>Best customers are consumer majority(by RFM analysis)</a:t>
             </a:r>
           </a:p>
         </p:txBody>
@@ -12123,7 +11981,7 @@
 </p:sld>
 </file>
 
-<file path=ppt/slides/slide19.xml><?xml version="1.0" encoding="utf-8"?>
+<file path=ppt/slides/slide18.xml><?xml version="1.0" encoding="utf-8"?>
 <p:sld xmlns:a="http://schemas.openxmlformats.org/drawingml/2006/main" xmlns:r="http://schemas.openxmlformats.org/officeDocument/2006/relationships" xmlns:p="http://schemas.openxmlformats.org/presentationml/2006/main">
   <p:cSld>
     <p:spTree>
@@ -12131,7 +11989,7 @@
         <p:cNvPr id="1" name="">
           <a:extLst>
             <a:ext uri="{FF2B5EF4-FFF2-40B4-BE49-F238E27FC236}">
-              <a16:creationId xmlns:a16="http://schemas.microsoft.com/office/drawing/2014/main" id="{18639C81-4887-96CF-BC50-3671AC4C0447}"/>
+              <a16:creationId xmlns:a16="http://schemas.microsoft.com/office/drawing/2014/main" id="{436D0504-DF63-4BBD-8CB7-A240E8CCCC16}"/>
             </a:ext>
           </a:extLst>
         </p:cNvPr>
@@ -12151,7 +12009,7 @@
           <p:cNvPr id="2" name="Title 1">
             <a:extLst>
               <a:ext uri="{FF2B5EF4-FFF2-40B4-BE49-F238E27FC236}">
-                <a16:creationId xmlns:a16="http://schemas.microsoft.com/office/drawing/2014/main" id="{4E467A5C-898B-BE4C-C4FD-C8905853FE14}"/>
+                <a16:creationId xmlns:a16="http://schemas.microsoft.com/office/drawing/2014/main" id="{135513A1-22EB-3472-2804-B37D72C11342}"/>
               </a:ext>
             </a:extLst>
           </p:cNvPr>
@@ -12173,7 +12031,7 @@
                 <a:latin typeface="Cascadia Mono" panose="020B0609020000020004" pitchFamily="49" charset="0"/>
                 <a:cs typeface="Cascadia Mono" panose="020B0609020000020004" pitchFamily="49" charset="0"/>
               </a:rPr>
-              <a:t>Analysis</a:t>
+              <a:t>Delivery Times taking 4 working days</a:t>
             </a:r>
           </a:p>
         </p:txBody>
@@ -12183,7 +12041,7 @@
           <p:cNvPr id="4" name="Graphic 3">
             <a:extLst>
               <a:ext uri="{FF2B5EF4-FFF2-40B4-BE49-F238E27FC236}">
-                <a16:creationId xmlns:a16="http://schemas.microsoft.com/office/drawing/2014/main" id="{A7BB678D-9BE1-0EC2-B58B-D70F1D8DD185}"/>
+                <a16:creationId xmlns:a16="http://schemas.microsoft.com/office/drawing/2014/main" id="{64F154AA-037A-9684-AB07-49792DFFFAE0}"/>
               </a:ext>
             </a:extLst>
           </p:cNvPr>
@@ -12216,10 +12074,10 @@
       </p:pic>
       <p:pic>
         <p:nvPicPr>
-          <p:cNvPr id="16" name="Content Placeholder 15">
+          <p:cNvPr id="8" name="Content Placeholder 7">
             <a:extLst>
               <a:ext uri="{FF2B5EF4-FFF2-40B4-BE49-F238E27FC236}">
-                <a16:creationId xmlns:a16="http://schemas.microsoft.com/office/drawing/2014/main" id="{A5693926-CB8D-BEA6-883E-E573319F4C10}"/>
+                <a16:creationId xmlns:a16="http://schemas.microsoft.com/office/drawing/2014/main" id="{9278E38F-4E5E-ACD6-998F-A7C133FA35CC}"/>
               </a:ext>
             </a:extLst>
           </p:cNvPr>
@@ -12244,7 +12102,7 @@
         </p:blipFill>
         <p:spPr>
           <a:xfrm>
-            <a:off x="3212841" y="1813992"/>
+            <a:off x="3212841" y="1822894"/>
             <a:ext cx="5766318" cy="3247537"/>
           </a:xfrm>
           <a:prstGeom prst="rect">
@@ -12255,7 +12113,207 @@
     </p:spTree>
     <p:extLst>
       <p:ext uri="{BB962C8B-B14F-4D97-AF65-F5344CB8AC3E}">
-        <p14:creationId xmlns:p14="http://schemas.microsoft.com/office/powerpoint/2010/main" val="234347501"/>
+        <p14:creationId xmlns:p14="http://schemas.microsoft.com/office/powerpoint/2010/main" val="3397008090"/>
+      </p:ext>
+    </p:extLst>
+  </p:cSld>
+  <p:clrMapOvr>
+    <a:masterClrMapping/>
+  </p:clrMapOvr>
+</p:sld>
+</file>
+
+<file path=ppt/slides/slide19.xml><?xml version="1.0" encoding="utf-8"?>
+<p:sld xmlns:a="http://schemas.openxmlformats.org/drawingml/2006/main" xmlns:r="http://schemas.openxmlformats.org/officeDocument/2006/relationships" xmlns:p="http://schemas.openxmlformats.org/presentationml/2006/main">
+  <p:cSld>
+    <p:spTree>
+      <p:nvGrpSpPr>
+        <p:cNvPr id="1" name="">
+          <a:extLst>
+            <a:ext uri="{FF2B5EF4-FFF2-40B4-BE49-F238E27FC236}">
+              <a16:creationId xmlns:a16="http://schemas.microsoft.com/office/drawing/2014/main" id="{C595DC40-AE33-1DC6-231A-E3453C16FED7}"/>
+            </a:ext>
+          </a:extLst>
+        </p:cNvPr>
+        <p:cNvGrpSpPr/>
+        <p:nvPr/>
+      </p:nvGrpSpPr>
+      <p:grpSpPr>
+        <a:xfrm>
+          <a:off x="0" y="0"/>
+          <a:ext cx="0" cy="0"/>
+          <a:chOff x="0" y="0"/>
+          <a:chExt cx="0" cy="0"/>
+        </a:xfrm>
+      </p:grpSpPr>
+      <p:sp>
+        <p:nvSpPr>
+          <p:cNvPr id="2" name="Title 1">
+            <a:extLst>
+              <a:ext uri="{FF2B5EF4-FFF2-40B4-BE49-F238E27FC236}">
+                <a16:creationId xmlns:a16="http://schemas.microsoft.com/office/drawing/2014/main" id="{FBB61399-EA2E-13C0-0A9A-11629CBA9679}"/>
+              </a:ext>
+            </a:extLst>
+          </p:cNvPr>
+          <p:cNvSpPr>
+            <a:spLocks noGrp="1"/>
+          </p:cNvSpPr>
+          <p:nvPr>
+            <p:ph type="title"/>
+          </p:nvPr>
+        </p:nvSpPr>
+        <p:spPr/>
+        <p:txBody>
+          <a:bodyPr/>
+          <a:lstStyle/>
+          <a:p>
+            <a:pPr algn="ctr"/>
+            <a:r>
+              <a:rPr lang="en-IN" dirty="0">
+                <a:latin typeface="Cascadia Mono" panose="020B0609020000020004" pitchFamily="49" charset="0"/>
+                <a:cs typeface="Cascadia Mono" panose="020B0609020000020004" pitchFamily="49" charset="0"/>
+              </a:rPr>
+              <a:t>Recommendation</a:t>
+            </a:r>
+          </a:p>
+        </p:txBody>
+      </p:sp>
+      <p:pic>
+        <p:nvPicPr>
+          <p:cNvPr id="4" name="Graphic 3">
+            <a:extLst>
+              <a:ext uri="{FF2B5EF4-FFF2-40B4-BE49-F238E27FC236}">
+                <a16:creationId xmlns:a16="http://schemas.microsoft.com/office/drawing/2014/main" id="{201056A3-29F6-0E07-7D8F-C851969407AC}"/>
+              </a:ext>
+            </a:extLst>
+          </p:cNvPr>
+          <p:cNvPicPr>
+            <a:picLocks noChangeAspect="1"/>
+          </p:cNvPicPr>
+          <p:nvPr/>
+        </p:nvPicPr>
+        <p:blipFill>
+          <a:blip r:embed="rId2">
+            <a:extLst>
+              <a:ext uri="{96DAC541-7B7A-43D3-8B79-37D633B846F1}">
+                <asvg:svgBlip xmlns:asvg="http://schemas.microsoft.com/office/drawing/2016/SVG/main" r:embed="rId3"/>
+              </a:ext>
+            </a:extLst>
+          </a:blip>
+          <a:stretch>
+            <a:fillRect/>
+          </a:stretch>
+        </p:blipFill>
+        <p:spPr>
+          <a:xfrm>
+            <a:off x="5634402" y="5596834"/>
+            <a:ext cx="900000" cy="900000"/>
+          </a:xfrm>
+          <a:prstGeom prst="rect">
+            <a:avLst/>
+          </a:prstGeom>
+        </p:spPr>
+      </p:pic>
+      <p:sp>
+        <p:nvSpPr>
+          <p:cNvPr id="9" name="Content Placeholder 8">
+            <a:extLst>
+              <a:ext uri="{FF2B5EF4-FFF2-40B4-BE49-F238E27FC236}">
+                <a16:creationId xmlns:a16="http://schemas.microsoft.com/office/drawing/2014/main" id="{E8237C95-F738-3ED5-E9A3-C9A9EB876493}"/>
+              </a:ext>
+            </a:extLst>
+          </p:cNvPr>
+          <p:cNvSpPr>
+            <a:spLocks noGrp="1"/>
+          </p:cNvSpPr>
+          <p:nvPr>
+            <p:ph idx="1"/>
+          </p:nvPr>
+        </p:nvSpPr>
+        <p:spPr/>
+        <p:txBody>
+          <a:bodyPr>
+            <a:normAutofit/>
+          </a:bodyPr>
+          <a:lstStyle/>
+          <a:p>
+            <a:r>
+              <a:rPr lang="en-IN" sz="1400" dirty="0">
+                <a:latin typeface="Cascadia Mono" panose="020B0609020000020004" pitchFamily="49" charset="0"/>
+                <a:cs typeface="Cascadia Mono" panose="020B0609020000020004" pitchFamily="49" charset="0"/>
+              </a:rPr>
+              <a:t>More products for the Consumer segment as they account for 50% of the sales.</a:t>
+            </a:r>
+          </a:p>
+          <a:p>
+            <a:endParaRPr lang="en-IN" sz="1400" dirty="0"/>
+          </a:p>
+          <a:p>
+            <a:r>
+              <a:rPr lang="en-IN" sz="1400" dirty="0">
+                <a:latin typeface="Cascadia Mono" panose="020B0609020000020004" pitchFamily="49" charset="0"/>
+                <a:cs typeface="Cascadia Mono" panose="020B0609020000020004" pitchFamily="49" charset="0"/>
+              </a:rPr>
+              <a:t>Increase the number of employees as well as inventory during the last quarters as the sales as well as the number of purchases increases during that time.</a:t>
+            </a:r>
+          </a:p>
+          <a:p>
+            <a:endParaRPr lang="en-IN" sz="1400" dirty="0">
+              <a:latin typeface="Cascadia Mono" panose="020B0609020000020004" pitchFamily="49" charset="0"/>
+              <a:cs typeface="Cascadia Mono" panose="020B0609020000020004" pitchFamily="49" charset="0"/>
+            </a:endParaRPr>
+          </a:p>
+          <a:p>
+            <a:r>
+              <a:rPr lang="en-IN" sz="1400" dirty="0">
+                <a:latin typeface="Cascadia Mono" panose="020B0609020000020004" pitchFamily="49" charset="0"/>
+                <a:cs typeface="Cascadia Mono" panose="020B0609020000020004" pitchFamily="49" charset="0"/>
+              </a:rPr>
+              <a:t>Focus more on the East and Central for new customers. Work on the delivery time in the Central.</a:t>
+            </a:r>
+          </a:p>
+          <a:p>
+            <a:endParaRPr lang="en-IN" sz="1400" dirty="0">
+              <a:latin typeface="Cascadia Mono" panose="020B0609020000020004" pitchFamily="49" charset="0"/>
+              <a:cs typeface="Cascadia Mono" panose="020B0609020000020004" pitchFamily="49" charset="0"/>
+            </a:endParaRPr>
+          </a:p>
+          <a:p>
+            <a:r>
+              <a:rPr lang="en-IN" sz="1400" dirty="0">
+                <a:latin typeface="Cascadia Mono" panose="020B0609020000020004" pitchFamily="49" charset="0"/>
+                <a:cs typeface="Cascadia Mono" panose="020B0609020000020004" pitchFamily="49" charset="0"/>
+              </a:rPr>
+              <a:t>Research on the one day delivery option, as maintaining it is costly, hence removing it increase profit, but might effect some consumers. </a:t>
+            </a:r>
+          </a:p>
+          <a:p>
+            <a:endParaRPr lang="en-IN" sz="1400" dirty="0">
+              <a:latin typeface="Cascadia Mono" panose="020B0609020000020004" pitchFamily="49" charset="0"/>
+              <a:cs typeface="Cascadia Mono" panose="020B0609020000020004" pitchFamily="49" charset="0"/>
+            </a:endParaRPr>
+          </a:p>
+          <a:p>
+            <a:endParaRPr lang="en-IN" sz="1400" dirty="0">
+              <a:latin typeface="Cascadia Mono" panose="020B0609020000020004" pitchFamily="49" charset="0"/>
+              <a:cs typeface="Cascadia Mono" panose="020B0609020000020004" pitchFamily="49" charset="0"/>
+            </a:endParaRPr>
+          </a:p>
+          <a:p>
+            <a:endParaRPr lang="en-IN" sz="1400" dirty="0">
+              <a:latin typeface="Cascadia Mono" panose="020B0609020000020004" pitchFamily="49" charset="0"/>
+              <a:cs typeface="Cascadia Mono" panose="020B0609020000020004" pitchFamily="49" charset="0"/>
+            </a:endParaRPr>
+          </a:p>
+          <a:p>
+            <a:endParaRPr lang="en-IN" sz="1400" dirty="0"/>
+          </a:p>
+        </p:txBody>
+      </p:sp>
+    </p:spTree>
+    <p:extLst>
+      <p:ext uri="{BB962C8B-B14F-4D97-AF65-F5344CB8AC3E}">
+        <p14:creationId xmlns:p14="http://schemas.microsoft.com/office/powerpoint/2010/main" val="502669340"/>
       </p:ext>
     </p:extLst>
   </p:cSld>
@@ -12402,7 +12460,7 @@
         <p:cNvPr id="1" name="">
           <a:extLst>
             <a:ext uri="{FF2B5EF4-FFF2-40B4-BE49-F238E27FC236}">
-              <a16:creationId xmlns:a16="http://schemas.microsoft.com/office/drawing/2014/main" id="{436D0504-DF63-4BBD-8CB7-A240E8CCCC16}"/>
+              <a16:creationId xmlns:a16="http://schemas.microsoft.com/office/drawing/2014/main" id="{9632AB67-DE13-886D-2BBE-711921A69CE8}"/>
             </a:ext>
           </a:extLst>
         </p:cNvPr>
@@ -12422,7 +12480,7 @@
           <p:cNvPr id="2" name="Title 1">
             <a:extLst>
               <a:ext uri="{FF2B5EF4-FFF2-40B4-BE49-F238E27FC236}">
-                <a16:creationId xmlns:a16="http://schemas.microsoft.com/office/drawing/2014/main" id="{135513A1-22EB-3472-2804-B37D72C11342}"/>
+                <a16:creationId xmlns:a16="http://schemas.microsoft.com/office/drawing/2014/main" id="{2160E787-D937-1658-790A-6F378A11D1FF}"/>
               </a:ext>
             </a:extLst>
           </p:cNvPr>
@@ -12444,7 +12502,7 @@
                 <a:latin typeface="Cascadia Mono" panose="020B0609020000020004" pitchFamily="49" charset="0"/>
                 <a:cs typeface="Cascadia Mono" panose="020B0609020000020004" pitchFamily="49" charset="0"/>
               </a:rPr>
-              <a:t>Analysis</a:t>
+              <a:t>Next Step</a:t>
             </a:r>
           </a:p>
         </p:txBody>
@@ -12454,7 +12512,7 @@
           <p:cNvPr id="4" name="Graphic 3">
             <a:extLst>
               <a:ext uri="{FF2B5EF4-FFF2-40B4-BE49-F238E27FC236}">
-                <a16:creationId xmlns:a16="http://schemas.microsoft.com/office/drawing/2014/main" id="{64F154AA-037A-9684-AB07-49792DFFFAE0}"/>
+                <a16:creationId xmlns:a16="http://schemas.microsoft.com/office/drawing/2014/main" id="{21EFB8EE-CFF6-A34B-07F9-24C7D9249583}"/>
               </a:ext>
             </a:extLst>
           </p:cNvPr>
@@ -12485,48 +12543,103 @@
           </a:prstGeom>
         </p:spPr>
       </p:pic>
-      <p:pic>
-        <p:nvPicPr>
-          <p:cNvPr id="7" name="Content Placeholder 6">
+      <p:sp>
+        <p:nvSpPr>
+          <p:cNvPr id="9" name="Content Placeholder 8">
             <a:extLst>
               <a:ext uri="{FF2B5EF4-FFF2-40B4-BE49-F238E27FC236}">
-                <a16:creationId xmlns:a16="http://schemas.microsoft.com/office/drawing/2014/main" id="{F783D6C7-4465-DB79-F7AB-4E3041DFCD52}"/>
+                <a16:creationId xmlns:a16="http://schemas.microsoft.com/office/drawing/2014/main" id="{D5A86854-8A25-3A69-C109-C998B6E96D5B}"/>
               </a:ext>
             </a:extLst>
           </p:cNvPr>
-          <p:cNvPicPr>
-            <a:picLocks noGrp="1" noChangeAspect="1"/>
-          </p:cNvPicPr>
+          <p:cNvSpPr>
+            <a:spLocks noGrp="1"/>
+          </p:cNvSpPr>
           <p:nvPr>
             <p:ph idx="1"/>
           </p:nvPr>
-        </p:nvPicPr>
-        <p:blipFill>
-          <a:blip r:embed="rId4">
-            <a:extLst>
-              <a:ext uri="{28A0092B-C50C-407E-A947-70E740481C1C}">
-                <a14:useLocalDpi xmlns:a14="http://schemas.microsoft.com/office/drawing/2010/main" val="0"/>
-              </a:ext>
-            </a:extLst>
-          </a:blip>
-          <a:stretch>
-            <a:fillRect/>
-          </a:stretch>
-        </p:blipFill>
-        <p:spPr>
-          <a:xfrm>
-            <a:off x="3212841" y="1813997"/>
-            <a:ext cx="5766318" cy="3247537"/>
-          </a:xfrm>
-          <a:prstGeom prst="rect">
-            <a:avLst/>
-          </a:prstGeom>
-        </p:spPr>
-      </p:pic>
+        </p:nvSpPr>
+        <p:spPr/>
+        <p:txBody>
+          <a:bodyPr>
+            <a:normAutofit/>
+          </a:bodyPr>
+          <a:lstStyle/>
+          <a:p>
+            <a:r>
+              <a:rPr lang="en-IN" sz="1400" dirty="0">
+                <a:latin typeface="Cascadia Mono" panose="020B0609020000020004" pitchFamily="49" charset="0"/>
+                <a:cs typeface="Cascadia Mono" panose="020B0609020000020004" pitchFamily="49" charset="0"/>
+              </a:rPr>
+              <a:t>Optimize the Q3 and Q4 inventory by 50% more of the most selling products, based on the historical data.</a:t>
+            </a:r>
+          </a:p>
+          <a:p>
+            <a:endParaRPr lang="en-IN" sz="1400" dirty="0">
+              <a:latin typeface="Cascadia Mono" panose="020B0609020000020004" pitchFamily="49" charset="0"/>
+              <a:cs typeface="Cascadia Mono" panose="020B0609020000020004" pitchFamily="49" charset="0"/>
+            </a:endParaRPr>
+          </a:p>
+          <a:p>
+            <a:r>
+              <a:rPr lang="en-IN" sz="1400" dirty="0">
+                <a:latin typeface="Cascadia Mono" panose="020B0609020000020004" pitchFamily="49" charset="0"/>
+                <a:cs typeface="Cascadia Mono" panose="020B0609020000020004" pitchFamily="49" charset="0"/>
+              </a:rPr>
+              <a:t>Review Same Day delivery economics, which is only used by 0.42% of the total customer base.</a:t>
+            </a:r>
+          </a:p>
+          <a:p>
+            <a:endParaRPr lang="en-IN" sz="1400" dirty="0">
+              <a:latin typeface="Cascadia Mono" panose="020B0609020000020004" pitchFamily="49" charset="0"/>
+              <a:cs typeface="Cascadia Mono" panose="020B0609020000020004" pitchFamily="49" charset="0"/>
+            </a:endParaRPr>
+          </a:p>
+          <a:p>
+            <a:r>
+              <a:rPr lang="en-IN" sz="1400" dirty="0">
+                <a:latin typeface="Cascadia Mono" panose="020B0609020000020004" pitchFamily="49" charset="0"/>
+                <a:cs typeface="Cascadia Mono" panose="020B0609020000020004" pitchFamily="49" charset="0"/>
+              </a:rPr>
+              <a:t>Analyze underperforming region with growth  potential.</a:t>
+            </a:r>
+          </a:p>
+          <a:p>
+            <a:endParaRPr lang="en-IN" sz="1400" dirty="0">
+              <a:latin typeface="Cascadia Mono" panose="020B0609020000020004" pitchFamily="49" charset="0"/>
+              <a:cs typeface="Cascadia Mono" panose="020B0609020000020004" pitchFamily="49" charset="0"/>
+            </a:endParaRPr>
+          </a:p>
+          <a:p>
+            <a:r>
+              <a:rPr lang="en-IN" sz="1400" dirty="0">
+                <a:latin typeface="Cascadia Mono" panose="020B0609020000020004" pitchFamily="49" charset="0"/>
+                <a:cs typeface="Cascadia Mono" panose="020B0609020000020004" pitchFamily="49" charset="0"/>
+              </a:rPr>
+              <a:t>Launch a retention campaign for top 127 “Best” customers identified through RFM analysis.</a:t>
+            </a:r>
+          </a:p>
+          <a:p>
+            <a:endParaRPr lang="en-IN" sz="1400" dirty="0">
+              <a:latin typeface="Cascadia Mono" panose="020B0609020000020004" pitchFamily="49" charset="0"/>
+              <a:cs typeface="Cascadia Mono" panose="020B0609020000020004" pitchFamily="49" charset="0"/>
+            </a:endParaRPr>
+          </a:p>
+          <a:p>
+            <a:r>
+              <a:rPr lang="en-IN" sz="1400" dirty="0">
+                <a:latin typeface="Cascadia Mono" panose="020B0609020000020004" pitchFamily="49" charset="0"/>
+                <a:cs typeface="Cascadia Mono" panose="020B0609020000020004" pitchFamily="49" charset="0"/>
+              </a:rPr>
+              <a:t>Price optimization study, test pricing elasticity in the Technology category.</a:t>
+            </a:r>
+          </a:p>
+        </p:txBody>
+      </p:sp>
     </p:spTree>
     <p:extLst>
       <p:ext uri="{BB962C8B-B14F-4D97-AF65-F5344CB8AC3E}">
-        <p14:creationId xmlns:p14="http://schemas.microsoft.com/office/powerpoint/2010/main" val="3397008090"/>
+        <p14:creationId xmlns:p14="http://schemas.microsoft.com/office/powerpoint/2010/main" val="3790112598"/>
       </p:ext>
     </p:extLst>
   </p:cSld>
@@ -12558,7 +12671,7 @@
           <p:cNvPr id="2" name="Title 1">
             <a:extLst>
               <a:ext uri="{FF2B5EF4-FFF2-40B4-BE49-F238E27FC236}">
-                <a16:creationId xmlns:a16="http://schemas.microsoft.com/office/drawing/2014/main" id="{190CE786-50B6-6723-7C74-8F2DDA5C7372}"/>
+                <a16:creationId xmlns:a16="http://schemas.microsoft.com/office/drawing/2014/main" id="{EF3EDCA4-B423-5387-67C8-37C6BDF43858}"/>
               </a:ext>
             </a:extLst>
           </p:cNvPr>
@@ -12566,60 +12679,67 @@
             <a:spLocks noGrp="1"/>
           </p:cNvSpPr>
           <p:nvPr>
-            <p:ph type="ctrTitle"/>
+            <p:ph type="title"/>
           </p:nvPr>
         </p:nvSpPr>
         <p:spPr/>
         <p:txBody>
-          <a:bodyPr/>
+          <a:bodyPr>
+            <a:normAutofit/>
+          </a:bodyPr>
           <a:lstStyle/>
           <a:p>
+            <a:pPr algn="ctr"/>
             <a:r>
               <a:rPr lang="en-IN" dirty="0">
                 <a:latin typeface="Cascadia Mono" panose="020B0609020000020004" pitchFamily="49" charset="0"/>
                 <a:cs typeface="Cascadia Mono" panose="020B0609020000020004" pitchFamily="49" charset="0"/>
               </a:rPr>
-              <a:t>Recommendation</a:t>
+              <a:t>Thank you</a:t>
             </a:r>
           </a:p>
         </p:txBody>
       </p:sp>
-      <p:sp>
-        <p:nvSpPr>
-          <p:cNvPr id="3" name="Subtitle 2">
+      <p:pic>
+        <p:nvPicPr>
+          <p:cNvPr id="3" name="Graphic 2">
             <a:extLst>
               <a:ext uri="{FF2B5EF4-FFF2-40B4-BE49-F238E27FC236}">
-                <a16:creationId xmlns:a16="http://schemas.microsoft.com/office/drawing/2014/main" id="{D1832D06-21DF-A6BF-12C9-5388A805A622}"/>
+                <a16:creationId xmlns:a16="http://schemas.microsoft.com/office/drawing/2014/main" id="{EDC42338-39A8-78C3-86E6-F59BC65A72C8}"/>
               </a:ext>
             </a:extLst>
           </p:cNvPr>
-          <p:cNvSpPr>
-            <a:spLocks noGrp="1"/>
-          </p:cNvSpPr>
-          <p:nvPr>
-            <p:ph type="subTitle" idx="1"/>
-          </p:nvPr>
-        </p:nvSpPr>
-        <p:spPr/>
-        <p:txBody>
-          <a:bodyPr/>
-          <a:lstStyle/>
-          <a:p>
-            <a:r>
-              <a:rPr lang="en-IN" dirty="0">
-                <a:latin typeface="Cascadia Mono" panose="020B0609020000020004" pitchFamily="49" charset="0"/>
-                <a:cs typeface="Cascadia Mono" panose="020B0609020000020004" pitchFamily="49" charset="0"/>
-              </a:rPr>
-              <a:t>More products for the Consumer segment as they account for 50% of the sales.</a:t>
-            </a:r>
-            <a:endParaRPr lang="en-IN" dirty="0"/>
-          </a:p>
-        </p:txBody>
-      </p:sp>
+          <p:cNvPicPr>
+            <a:picLocks noChangeAspect="1"/>
+          </p:cNvPicPr>
+          <p:nvPr/>
+        </p:nvPicPr>
+        <p:blipFill>
+          <a:blip r:embed="rId2">
+            <a:extLst>
+              <a:ext uri="{96DAC541-7B7A-43D3-8B79-37D633B846F1}">
+                <asvg:svgBlip xmlns:asvg="http://schemas.microsoft.com/office/drawing/2016/SVG/main" r:embed="rId3"/>
+              </a:ext>
+            </a:extLst>
+          </a:blip>
+          <a:stretch>
+            <a:fillRect/>
+          </a:stretch>
+        </p:blipFill>
+        <p:spPr>
+          <a:xfrm>
+            <a:off x="5634402" y="5596834"/>
+            <a:ext cx="900000" cy="900000"/>
+          </a:xfrm>
+          <a:prstGeom prst="rect">
+            <a:avLst/>
+          </a:prstGeom>
+        </p:spPr>
+      </p:pic>
     </p:spTree>
     <p:extLst>
       <p:ext uri="{BB962C8B-B14F-4D97-AF65-F5344CB8AC3E}">
-        <p14:creationId xmlns:p14="http://schemas.microsoft.com/office/powerpoint/2010/main" val="1841654368"/>
+        <p14:creationId xmlns:p14="http://schemas.microsoft.com/office/powerpoint/2010/main" val="74625543"/>
       </p:ext>
     </p:extLst>
   </p:cSld>
@@ -12630,300 +12750,6 @@
 </file>
 
 <file path=ppt/slides/slide22.xml><?xml version="1.0" encoding="utf-8"?>
-<p:sld xmlns:a="http://schemas.openxmlformats.org/drawingml/2006/main" xmlns:r="http://schemas.openxmlformats.org/officeDocument/2006/relationships" xmlns:p="http://schemas.openxmlformats.org/presentationml/2006/main">
-  <p:cSld>
-    <p:spTree>
-      <p:nvGrpSpPr>
-        <p:cNvPr id="1" name="">
-          <a:extLst>
-            <a:ext uri="{FF2B5EF4-FFF2-40B4-BE49-F238E27FC236}">
-              <a16:creationId xmlns:a16="http://schemas.microsoft.com/office/drawing/2014/main" id="{6B5D3A79-5D7E-3615-CC05-F02144AFAA68}"/>
-            </a:ext>
-          </a:extLst>
-        </p:cNvPr>
-        <p:cNvGrpSpPr/>
-        <p:nvPr/>
-      </p:nvGrpSpPr>
-      <p:grpSpPr>
-        <a:xfrm>
-          <a:off x="0" y="0"/>
-          <a:ext cx="0" cy="0"/>
-          <a:chOff x="0" y="0"/>
-          <a:chExt cx="0" cy="0"/>
-        </a:xfrm>
-      </p:grpSpPr>
-      <p:sp>
-        <p:nvSpPr>
-          <p:cNvPr id="2" name="Title 1">
-            <a:extLst>
-              <a:ext uri="{FF2B5EF4-FFF2-40B4-BE49-F238E27FC236}">
-                <a16:creationId xmlns:a16="http://schemas.microsoft.com/office/drawing/2014/main" id="{866D249E-D03D-8B1E-E132-D3B3E54643A2}"/>
-              </a:ext>
-            </a:extLst>
-          </p:cNvPr>
-          <p:cNvSpPr>
-            <a:spLocks noGrp="1"/>
-          </p:cNvSpPr>
-          <p:nvPr>
-            <p:ph type="ctrTitle"/>
-          </p:nvPr>
-        </p:nvSpPr>
-        <p:spPr/>
-        <p:txBody>
-          <a:bodyPr/>
-          <a:lstStyle/>
-          <a:p>
-            <a:r>
-              <a:rPr lang="en-IN" dirty="0">
-                <a:latin typeface="Cascadia Mono" panose="020B0609020000020004" pitchFamily="49" charset="0"/>
-                <a:cs typeface="Cascadia Mono" panose="020B0609020000020004" pitchFamily="49" charset="0"/>
-              </a:rPr>
-              <a:t>Recommendation</a:t>
-            </a:r>
-          </a:p>
-        </p:txBody>
-      </p:sp>
-      <p:sp>
-        <p:nvSpPr>
-          <p:cNvPr id="3" name="Subtitle 2">
-            <a:extLst>
-              <a:ext uri="{FF2B5EF4-FFF2-40B4-BE49-F238E27FC236}">
-                <a16:creationId xmlns:a16="http://schemas.microsoft.com/office/drawing/2014/main" id="{09AAB2F5-770D-BB30-6137-1C4C39FF635C}"/>
-              </a:ext>
-            </a:extLst>
-          </p:cNvPr>
-          <p:cNvSpPr>
-            <a:spLocks noGrp="1"/>
-          </p:cNvSpPr>
-          <p:nvPr>
-            <p:ph type="subTitle" idx="1"/>
-          </p:nvPr>
-        </p:nvSpPr>
-        <p:spPr/>
-        <p:txBody>
-          <a:bodyPr/>
-          <a:lstStyle/>
-          <a:p>
-            <a:r>
-              <a:rPr lang="en-IN" dirty="0">
-                <a:latin typeface="Cascadia Mono" panose="020B0609020000020004" pitchFamily="49" charset="0"/>
-                <a:cs typeface="Cascadia Mono" panose="020B0609020000020004" pitchFamily="49" charset="0"/>
-              </a:rPr>
-              <a:t>Increase the number of employees during the last 2 quarters of the month as the sales as well as the number of purchases increases during that time.</a:t>
-            </a:r>
-          </a:p>
-        </p:txBody>
-      </p:sp>
-    </p:spTree>
-    <p:extLst>
-      <p:ext uri="{BB962C8B-B14F-4D97-AF65-F5344CB8AC3E}">
-        <p14:creationId xmlns:p14="http://schemas.microsoft.com/office/powerpoint/2010/main" val="2672973286"/>
-      </p:ext>
-    </p:extLst>
-  </p:cSld>
-  <p:clrMapOvr>
-    <a:masterClrMapping/>
-  </p:clrMapOvr>
-</p:sld>
-</file>
-
-<file path=ppt/slides/slide23.xml><?xml version="1.0" encoding="utf-8"?>
-<p:sld xmlns:a="http://schemas.openxmlformats.org/drawingml/2006/main" xmlns:r="http://schemas.openxmlformats.org/officeDocument/2006/relationships" xmlns:p="http://schemas.openxmlformats.org/presentationml/2006/main">
-  <p:cSld>
-    <p:spTree>
-      <p:nvGrpSpPr>
-        <p:cNvPr id="1" name="">
-          <a:extLst>
-            <a:ext uri="{FF2B5EF4-FFF2-40B4-BE49-F238E27FC236}">
-              <a16:creationId xmlns:a16="http://schemas.microsoft.com/office/drawing/2014/main" id="{AF71BF77-47F0-C4A7-1766-96C08B8D5ADA}"/>
-            </a:ext>
-          </a:extLst>
-        </p:cNvPr>
-        <p:cNvGrpSpPr/>
-        <p:nvPr/>
-      </p:nvGrpSpPr>
-      <p:grpSpPr>
-        <a:xfrm>
-          <a:off x="0" y="0"/>
-          <a:ext cx="0" cy="0"/>
-          <a:chOff x="0" y="0"/>
-          <a:chExt cx="0" cy="0"/>
-        </a:xfrm>
-      </p:grpSpPr>
-      <p:sp>
-        <p:nvSpPr>
-          <p:cNvPr id="2" name="Title 1">
-            <a:extLst>
-              <a:ext uri="{FF2B5EF4-FFF2-40B4-BE49-F238E27FC236}">
-                <a16:creationId xmlns:a16="http://schemas.microsoft.com/office/drawing/2014/main" id="{6426774C-9397-AE10-10DD-807AF0FDC665}"/>
-              </a:ext>
-            </a:extLst>
-          </p:cNvPr>
-          <p:cNvSpPr>
-            <a:spLocks noGrp="1"/>
-          </p:cNvSpPr>
-          <p:nvPr>
-            <p:ph type="ctrTitle"/>
-          </p:nvPr>
-        </p:nvSpPr>
-        <p:spPr/>
-        <p:txBody>
-          <a:bodyPr/>
-          <a:lstStyle/>
-          <a:p>
-            <a:r>
-              <a:rPr lang="en-IN" dirty="0">
-                <a:latin typeface="Cascadia Mono" panose="020B0609020000020004" pitchFamily="49" charset="0"/>
-                <a:cs typeface="Cascadia Mono" panose="020B0609020000020004" pitchFamily="49" charset="0"/>
-              </a:rPr>
-              <a:t>Recommendation</a:t>
-            </a:r>
-          </a:p>
-        </p:txBody>
-      </p:sp>
-      <p:sp>
-        <p:nvSpPr>
-          <p:cNvPr id="3" name="Subtitle 2">
-            <a:extLst>
-              <a:ext uri="{FF2B5EF4-FFF2-40B4-BE49-F238E27FC236}">
-                <a16:creationId xmlns:a16="http://schemas.microsoft.com/office/drawing/2014/main" id="{28ABECEE-B720-E273-E7C5-D5E44615DB2A}"/>
-              </a:ext>
-            </a:extLst>
-          </p:cNvPr>
-          <p:cNvSpPr>
-            <a:spLocks noGrp="1"/>
-          </p:cNvSpPr>
-          <p:nvPr>
-            <p:ph type="subTitle" idx="1"/>
-          </p:nvPr>
-        </p:nvSpPr>
-        <p:spPr/>
-        <p:txBody>
-          <a:bodyPr/>
-          <a:lstStyle/>
-          <a:p>
-            <a:r>
-              <a:rPr lang="en-IN" dirty="0">
-                <a:latin typeface="Cascadia Mono" panose="020B0609020000020004" pitchFamily="49" charset="0"/>
-                <a:cs typeface="Cascadia Mono" panose="020B0609020000020004" pitchFamily="49" charset="0"/>
-              </a:rPr>
-              <a:t>Focus more on the East and Central for new customers. Work on the delivery time in the Central.</a:t>
-            </a:r>
-          </a:p>
-        </p:txBody>
-      </p:sp>
-    </p:spTree>
-    <p:extLst>
-      <p:ext uri="{BB962C8B-B14F-4D97-AF65-F5344CB8AC3E}">
-        <p14:creationId xmlns:p14="http://schemas.microsoft.com/office/powerpoint/2010/main" val="3375818107"/>
-      </p:ext>
-    </p:extLst>
-  </p:cSld>
-  <p:clrMapOvr>
-    <a:masterClrMapping/>
-  </p:clrMapOvr>
-</p:sld>
-</file>
-
-<file path=ppt/slides/slide24.xml><?xml version="1.0" encoding="utf-8"?>
-<p:sld xmlns:a="http://schemas.openxmlformats.org/drawingml/2006/main" xmlns:r="http://schemas.openxmlformats.org/officeDocument/2006/relationships" xmlns:p="http://schemas.openxmlformats.org/presentationml/2006/main">
-  <p:cSld>
-    <p:spTree>
-      <p:nvGrpSpPr>
-        <p:cNvPr id="1" name="">
-          <a:extLst>
-            <a:ext uri="{FF2B5EF4-FFF2-40B4-BE49-F238E27FC236}">
-              <a16:creationId xmlns:a16="http://schemas.microsoft.com/office/drawing/2014/main" id="{16855F7C-7BEB-9FDE-336D-4224727AACE5}"/>
-            </a:ext>
-          </a:extLst>
-        </p:cNvPr>
-        <p:cNvGrpSpPr/>
-        <p:nvPr/>
-      </p:nvGrpSpPr>
-      <p:grpSpPr>
-        <a:xfrm>
-          <a:off x="0" y="0"/>
-          <a:ext cx="0" cy="0"/>
-          <a:chOff x="0" y="0"/>
-          <a:chExt cx="0" cy="0"/>
-        </a:xfrm>
-      </p:grpSpPr>
-      <p:sp>
-        <p:nvSpPr>
-          <p:cNvPr id="2" name="Title 1">
-            <a:extLst>
-              <a:ext uri="{FF2B5EF4-FFF2-40B4-BE49-F238E27FC236}">
-                <a16:creationId xmlns:a16="http://schemas.microsoft.com/office/drawing/2014/main" id="{BD101D7A-91AA-40A8-C8FD-596B7D9D43B0}"/>
-              </a:ext>
-            </a:extLst>
-          </p:cNvPr>
-          <p:cNvSpPr>
-            <a:spLocks noGrp="1"/>
-          </p:cNvSpPr>
-          <p:nvPr>
-            <p:ph type="ctrTitle"/>
-          </p:nvPr>
-        </p:nvSpPr>
-        <p:spPr/>
-        <p:txBody>
-          <a:bodyPr/>
-          <a:lstStyle/>
-          <a:p>
-            <a:r>
-              <a:rPr lang="en-IN" dirty="0">
-                <a:latin typeface="Cascadia Mono" panose="020B0609020000020004" pitchFamily="49" charset="0"/>
-                <a:cs typeface="Cascadia Mono" panose="020B0609020000020004" pitchFamily="49" charset="0"/>
-              </a:rPr>
-              <a:t>Recommendation</a:t>
-            </a:r>
-          </a:p>
-        </p:txBody>
-      </p:sp>
-      <p:sp>
-        <p:nvSpPr>
-          <p:cNvPr id="3" name="Subtitle 2">
-            <a:extLst>
-              <a:ext uri="{FF2B5EF4-FFF2-40B4-BE49-F238E27FC236}">
-                <a16:creationId xmlns:a16="http://schemas.microsoft.com/office/drawing/2014/main" id="{1B21CBB0-49C5-CCEB-B635-063C13ACCBEC}"/>
-              </a:ext>
-            </a:extLst>
-          </p:cNvPr>
-          <p:cNvSpPr>
-            <a:spLocks noGrp="1"/>
-          </p:cNvSpPr>
-          <p:nvPr>
-            <p:ph type="subTitle" idx="1"/>
-          </p:nvPr>
-        </p:nvSpPr>
-        <p:spPr/>
-        <p:txBody>
-          <a:bodyPr/>
-          <a:lstStyle/>
-          <a:p>
-            <a:r>
-              <a:rPr lang="en-IN" dirty="0">
-                <a:latin typeface="Cascadia Mono" panose="020B0609020000020004" pitchFamily="49" charset="0"/>
-                <a:cs typeface="Cascadia Mono" panose="020B0609020000020004" pitchFamily="49" charset="0"/>
-              </a:rPr>
-              <a:t>Research on the one day delivery option, as maintaining it is costly, hence removing it increase profit, but might effect some consumers. </a:t>
-            </a:r>
-          </a:p>
-        </p:txBody>
-      </p:sp>
-    </p:spTree>
-    <p:extLst>
-      <p:ext uri="{BB962C8B-B14F-4D97-AF65-F5344CB8AC3E}">
-        <p14:creationId xmlns:p14="http://schemas.microsoft.com/office/powerpoint/2010/main" val="2830443717"/>
-      </p:ext>
-    </p:extLst>
-  </p:cSld>
-  <p:clrMapOvr>
-    <a:masterClrMapping/>
-  </p:clrMapOvr>
-</p:sld>
-</file>
-
-<file path=ppt/slides/slide25.xml><?xml version="1.0" encoding="utf-8"?>
 <p:sld xmlns:a="http://schemas.openxmlformats.org/drawingml/2006/main" xmlns:r="http://schemas.openxmlformats.org/officeDocument/2006/relationships" xmlns:p="http://schemas.openxmlformats.org/presentationml/2006/main">
   <p:cSld>
     <p:spTree>
@@ -12940,102 +12766,46 @@
           <a:chExt cx="0" cy="0"/>
         </a:xfrm>
       </p:grpSpPr>
-      <p:sp>
-        <p:nvSpPr>
-          <p:cNvPr id="2" name="Title 1">
+      <p:pic>
+        <p:nvPicPr>
+          <p:cNvPr id="2" name="Graphic 1">
             <a:extLst>
               <a:ext uri="{FF2B5EF4-FFF2-40B4-BE49-F238E27FC236}">
-                <a16:creationId xmlns:a16="http://schemas.microsoft.com/office/drawing/2014/main" id="{CE7E9215-CB46-A4B2-E78A-9D939F0CA740}"/>
+                <a16:creationId xmlns:a16="http://schemas.microsoft.com/office/drawing/2014/main" id="{F2DA774D-3241-9EFF-3A10-6BF58116B231}"/>
               </a:ext>
             </a:extLst>
           </p:cNvPr>
-          <p:cNvSpPr>
-            <a:spLocks noGrp="1"/>
-          </p:cNvSpPr>
-          <p:nvPr>
-            <p:ph type="title"/>
-          </p:nvPr>
-        </p:nvSpPr>
-        <p:spPr/>
-        <p:txBody>
-          <a:bodyPr/>
-          <a:lstStyle/>
-          <a:p>
-            <a:pPr algn="ctr"/>
-            <a:r>
-              <a:rPr lang="en-IN" dirty="0">
-                <a:latin typeface="Cascadia Mono" panose="020B0609020000020004" pitchFamily="49" charset="0"/>
-                <a:cs typeface="Cascadia Mono" panose="020B0609020000020004" pitchFamily="49" charset="0"/>
-              </a:rPr>
-              <a:t>Next Step</a:t>
-            </a:r>
-          </a:p>
-        </p:txBody>
-      </p:sp>
-      <p:sp>
-        <p:nvSpPr>
-          <p:cNvPr id="3" name="Content Placeholder 2">
-            <a:extLst>
-              <a:ext uri="{FF2B5EF4-FFF2-40B4-BE49-F238E27FC236}">
-                <a16:creationId xmlns:a16="http://schemas.microsoft.com/office/drawing/2014/main" id="{DA2FF588-CA5C-0E42-4E4D-3386CBE3645C}"/>
-              </a:ext>
-            </a:extLst>
-          </p:cNvPr>
-          <p:cNvSpPr>
-            <a:spLocks noGrp="1"/>
-          </p:cNvSpPr>
-          <p:nvPr>
-            <p:ph idx="1"/>
-          </p:nvPr>
-        </p:nvSpPr>
-        <p:spPr/>
-        <p:txBody>
-          <a:bodyPr>
-            <a:normAutofit/>
-          </a:bodyPr>
-          <a:lstStyle/>
-          <a:p>
-            <a:r>
-              <a:rPr lang="en-IN" sz="1400" dirty="0">
-                <a:latin typeface="Cascadia Mono" panose="020B0609020000020004" pitchFamily="49" charset="0"/>
-                <a:cs typeface="Cascadia Mono" panose="020B0609020000020004" pitchFamily="49" charset="0"/>
-              </a:rPr>
-              <a:t>Optimize the Q3 and Q4 inventory based on the historical data.</a:t>
-            </a:r>
-          </a:p>
-          <a:p>
-            <a:r>
-              <a:rPr lang="en-IN" sz="1400" dirty="0">
-                <a:latin typeface="Cascadia Mono" panose="020B0609020000020004" pitchFamily="49" charset="0"/>
-                <a:cs typeface="Cascadia Mono" panose="020B0609020000020004" pitchFamily="49" charset="0"/>
-              </a:rPr>
-              <a:t>Review same day delivery economics.</a:t>
-            </a:r>
-          </a:p>
-          <a:p>
-            <a:r>
-              <a:rPr lang="en-IN" sz="1400" dirty="0">
-                <a:latin typeface="Cascadia Mono" panose="020B0609020000020004" pitchFamily="49" charset="0"/>
-                <a:cs typeface="Cascadia Mono" panose="020B0609020000020004" pitchFamily="49" charset="0"/>
-              </a:rPr>
-              <a:t>Analyze underperforming region with growth  potential.</a:t>
-            </a:r>
-          </a:p>
-          <a:p>
-            <a:r>
-              <a:rPr lang="en-IN" sz="1400" dirty="0">
-                <a:latin typeface="Cascadia Mono" panose="020B0609020000020004" pitchFamily="49" charset="0"/>
-                <a:cs typeface="Cascadia Mono" panose="020B0609020000020004" pitchFamily="49" charset="0"/>
-              </a:rPr>
-              <a:t>Identifying product bundling opportunity to increase AOV.</a:t>
-            </a:r>
-          </a:p>
-        </p:txBody>
-      </p:sp>
+          <p:cNvPicPr>
+            <a:picLocks noChangeAspect="1"/>
+          </p:cNvPicPr>
+          <p:nvPr/>
+        </p:nvPicPr>
+        <p:blipFill>
+          <a:blip r:embed="rId2">
+            <a:extLst>
+              <a:ext uri="{96DAC541-7B7A-43D3-8B79-37D633B846F1}">
+                <asvg:svgBlip xmlns:asvg="http://schemas.microsoft.com/office/drawing/2016/SVG/main" r:embed="rId3"/>
+              </a:ext>
+            </a:extLst>
+          </a:blip>
+          <a:stretch>
+            <a:fillRect/>
+          </a:stretch>
+        </p:blipFill>
+        <p:spPr>
+          <a:xfrm>
+            <a:off x="5634402" y="5596834"/>
+            <a:ext cx="900000" cy="900000"/>
+          </a:xfrm>
+          <a:prstGeom prst="rect">
+            <a:avLst/>
+          </a:prstGeom>
+        </p:spPr>
+      </p:pic>
     </p:spTree>
     <p:extLst>
       <p:ext uri="{BB962C8B-B14F-4D97-AF65-F5344CB8AC3E}">
-        <p14:creationId xmlns:p14="http://schemas.microsoft.com/office/powerpoint/2010/main" val="574855594"/>
+        <p14:creationId xmlns:p14="http://schemas.microsoft.com/office/powerpoint/2010/main" val="1453527474"/>
       </p:ext>
     </p:extLst>
   </p:cSld>
@@ -13089,7 +12859,7 @@
                 <a:latin typeface="Cascadia Mono" panose="020B0609020000020004" pitchFamily="49" charset="0"/>
                 <a:cs typeface="Cascadia Mono" panose="020B0609020000020004" pitchFamily="49" charset="0"/>
               </a:rPr>
-              <a:t>Introduction I</a:t>
+              <a:t>Introduction</a:t>
             </a:r>
           </a:p>
         </p:txBody>
@@ -13165,7 +12935,7 @@
                 <a:latin typeface="Cascadia Mono" panose="020B0609020000020004" pitchFamily="49" charset="0"/>
                 <a:cs typeface="Cascadia Mono" panose="020B0609020000020004" pitchFamily="49" charset="0"/>
               </a:rPr>
-              <a:t>Order_ID:</a:t>
+              <a:t>Order_ID: ID given to each order</a:t>
             </a:r>
           </a:p>
           <a:p>
@@ -13175,7 +12945,7 @@
                 <a:latin typeface="Cascadia Mono" panose="020B0609020000020004" pitchFamily="49" charset="0"/>
                 <a:cs typeface="Cascadia Mono" panose="020B0609020000020004" pitchFamily="49" charset="0"/>
               </a:rPr>
-              <a:t>Order_date</a:t>
+              <a:t>Order_date: Date of the order placed</a:t>
             </a:r>
           </a:p>
           <a:p>
@@ -13185,22 +12955,8 @@
                 <a:latin typeface="Cascadia Mono" panose="020B0609020000020004" pitchFamily="49" charset="0"/>
                 <a:cs typeface="Cascadia Mono" panose="020B0609020000020004" pitchFamily="49" charset="0"/>
               </a:rPr>
-              <a:t>Ship_date:</a:t>
+              <a:t>Ship_date: Date of the order shipped</a:t>
             </a:r>
-          </a:p>
-          <a:p>
-            <a:pPr lvl="1"/>
-            <a:r>
-              <a:rPr lang="en-IN" sz="1000" dirty="0" err="1">
-                <a:latin typeface="Cascadia Mono" panose="020B0609020000020004" pitchFamily="49" charset="0"/>
-                <a:cs typeface="Cascadia Mono" panose="020B0609020000020004" pitchFamily="49" charset="0"/>
-              </a:rPr>
-              <a:t>Ship_mode</a:t>
-            </a:r>
-            <a:endParaRPr lang="en-IN" sz="1000" dirty="0">
-              <a:latin typeface="Cascadia Mono" panose="020B0609020000020004" pitchFamily="49" charset="0"/>
-              <a:cs typeface="Cascadia Mono" panose="020B0609020000020004" pitchFamily="49" charset="0"/>
-            </a:endParaRPr>
           </a:p>
           <a:p>
             <a:pPr lvl="1"/>
@@ -13209,7 +12965,7 @@
                 <a:latin typeface="Cascadia Mono" panose="020B0609020000020004" pitchFamily="49" charset="0"/>
                 <a:cs typeface="Cascadia Mono" panose="020B0609020000020004" pitchFamily="49" charset="0"/>
               </a:rPr>
-              <a:t>Customer_id, name and segment:</a:t>
+              <a:t>Ship_mode: Method by which the product was shipping to the house of customers</a:t>
             </a:r>
           </a:p>
           <a:p>
@@ -13219,7 +12975,7 @@
                 <a:latin typeface="Cascadia Mono" panose="020B0609020000020004" pitchFamily="49" charset="0"/>
                 <a:cs typeface="Cascadia Mono" panose="020B0609020000020004" pitchFamily="49" charset="0"/>
               </a:rPr>
-              <a:t>City:</a:t>
+              <a:t>Customer_id, name and segment: Information about the customers.</a:t>
             </a:r>
           </a:p>
           <a:p>
@@ -13229,7 +12985,7 @@
                 <a:latin typeface="Cascadia Mono" panose="020B0609020000020004" pitchFamily="49" charset="0"/>
                 <a:cs typeface="Cascadia Mono" panose="020B0609020000020004" pitchFamily="49" charset="0"/>
               </a:rPr>
-              <a:t>State:</a:t>
+              <a:t>City: The city in which the customer lived.</a:t>
             </a:r>
           </a:p>
           <a:p>
@@ -13239,7 +12995,7 @@
                 <a:latin typeface="Cascadia Mono" panose="020B0609020000020004" pitchFamily="49" charset="0"/>
                 <a:cs typeface="Cascadia Mono" panose="020B0609020000020004" pitchFamily="49" charset="0"/>
               </a:rPr>
-              <a:t>Postal Code:</a:t>
+              <a:t>State: The state in which the customer lived.</a:t>
             </a:r>
           </a:p>
           <a:p>
@@ -13249,7 +13005,7 @@
                 <a:latin typeface="Cascadia Mono" panose="020B0609020000020004" pitchFamily="49" charset="0"/>
                 <a:cs typeface="Cascadia Mono" panose="020B0609020000020004" pitchFamily="49" charset="0"/>
               </a:rPr>
-              <a:t>Product_ID and name:</a:t>
+              <a:t>Postal Code: The postal code of the location of the customer.</a:t>
             </a:r>
           </a:p>
           <a:p>
@@ -13259,7 +13015,17 @@
                 <a:latin typeface="Cascadia Mono" panose="020B0609020000020004" pitchFamily="49" charset="0"/>
                 <a:cs typeface="Cascadia Mono" panose="020B0609020000020004" pitchFamily="49" charset="0"/>
               </a:rPr>
-              <a:t>Category:</a:t>
+              <a:t>Product_ID and name: Information about the product.</a:t>
+            </a:r>
+          </a:p>
+          <a:p>
+            <a:pPr lvl="1"/>
+            <a:r>
+              <a:rPr lang="en-IN" sz="1000" dirty="0">
+                <a:latin typeface="Cascadia Mono" panose="020B0609020000020004" pitchFamily="49" charset="0"/>
+                <a:cs typeface="Cascadia Mono" panose="020B0609020000020004" pitchFamily="49" charset="0"/>
+              </a:rPr>
+              <a:t>Category: The category to which the product belongs to.</a:t>
             </a:r>
           </a:p>
           <a:p>
@@ -14735,143 +14501,6 @@
         <p:cNvPr id="1" name="">
           <a:extLst>
             <a:ext uri="{FF2B5EF4-FFF2-40B4-BE49-F238E27FC236}">
-              <a16:creationId xmlns:a16="http://schemas.microsoft.com/office/drawing/2014/main" id="{28DB70A3-CA3A-7BD0-AC88-466A08C53E51}"/>
-            </a:ext>
-          </a:extLst>
-        </p:cNvPr>
-        <p:cNvGrpSpPr/>
-        <p:nvPr/>
-      </p:nvGrpSpPr>
-      <p:grpSpPr>
-        <a:xfrm>
-          <a:off x="0" y="0"/>
-          <a:ext cx="0" cy="0"/>
-          <a:chOff x="0" y="0"/>
-          <a:chExt cx="0" cy="0"/>
-        </a:xfrm>
-      </p:grpSpPr>
-      <p:sp>
-        <p:nvSpPr>
-          <p:cNvPr id="2" name="Title 1">
-            <a:extLst>
-              <a:ext uri="{FF2B5EF4-FFF2-40B4-BE49-F238E27FC236}">
-                <a16:creationId xmlns:a16="http://schemas.microsoft.com/office/drawing/2014/main" id="{FFF1E926-AB29-3E03-6862-EDA7A324EA82}"/>
-              </a:ext>
-            </a:extLst>
-          </p:cNvPr>
-          <p:cNvSpPr>
-            <a:spLocks noGrp="1"/>
-          </p:cNvSpPr>
-          <p:nvPr>
-            <p:ph type="title"/>
-          </p:nvPr>
-        </p:nvSpPr>
-        <p:spPr/>
-        <p:txBody>
-          <a:bodyPr/>
-          <a:lstStyle/>
-          <a:p>
-            <a:pPr algn="ctr"/>
-            <a:r>
-              <a:rPr lang="en-IN" dirty="0">
-                <a:latin typeface="Cascadia Mono" panose="020B0609020000020004" pitchFamily="49" charset="0"/>
-                <a:cs typeface="Cascadia Mono" panose="020B0609020000020004" pitchFamily="49" charset="0"/>
-              </a:rPr>
-              <a:t>Introduction II</a:t>
-            </a:r>
-          </a:p>
-        </p:txBody>
-      </p:sp>
-      <p:pic>
-        <p:nvPicPr>
-          <p:cNvPr id="4" name="Graphic 3">
-            <a:extLst>
-              <a:ext uri="{FF2B5EF4-FFF2-40B4-BE49-F238E27FC236}">
-                <a16:creationId xmlns:a16="http://schemas.microsoft.com/office/drawing/2014/main" id="{B1B7A84F-9314-173D-D525-BABEB0F948F6}"/>
-              </a:ext>
-            </a:extLst>
-          </p:cNvPr>
-          <p:cNvPicPr>
-            <a:picLocks noChangeAspect="1"/>
-          </p:cNvPicPr>
-          <p:nvPr/>
-        </p:nvPicPr>
-        <p:blipFill>
-          <a:blip r:embed="rId2">
-            <a:extLst>
-              <a:ext uri="{96DAC541-7B7A-43D3-8B79-37D633B846F1}">
-                <asvg:svgBlip xmlns:asvg="http://schemas.microsoft.com/office/drawing/2016/SVG/main" r:embed="rId3"/>
-              </a:ext>
-            </a:extLst>
-          </a:blip>
-          <a:stretch>
-            <a:fillRect/>
-          </a:stretch>
-        </p:blipFill>
-        <p:spPr>
-          <a:xfrm>
-            <a:off x="5634402" y="5596834"/>
-            <a:ext cx="900000" cy="900000"/>
-          </a:xfrm>
-          <a:prstGeom prst="rect">
-            <a:avLst/>
-          </a:prstGeom>
-        </p:spPr>
-      </p:pic>
-      <p:pic>
-        <p:nvPicPr>
-          <p:cNvPr id="10" name="Content Placeholder 9">
-            <a:extLst>
-              <a:ext uri="{FF2B5EF4-FFF2-40B4-BE49-F238E27FC236}">
-                <a16:creationId xmlns:a16="http://schemas.microsoft.com/office/drawing/2014/main" id="{608F2C9E-5DAF-F075-C589-7A3F3E9D7EAC}"/>
-              </a:ext>
-            </a:extLst>
-          </p:cNvPr>
-          <p:cNvPicPr>
-            <a:picLocks noGrp="1" noChangeAspect="1"/>
-          </p:cNvPicPr>
-          <p:nvPr>
-            <p:ph idx="1"/>
-          </p:nvPr>
-        </p:nvPicPr>
-        <p:blipFill>
-          <a:blip r:embed="rId4"/>
-          <a:srcRect t="1065"/>
-          <a:stretch>
-            <a:fillRect/>
-          </a:stretch>
-        </p:blipFill>
-        <p:spPr>
-          <a:xfrm>
-            <a:off x="778240" y="1993692"/>
-            <a:ext cx="10656000" cy="3069840"/>
-          </a:xfrm>
-          <a:prstGeom prst="rect">
-            <a:avLst/>
-          </a:prstGeom>
-        </p:spPr>
-      </p:pic>
-    </p:spTree>
-    <p:extLst>
-      <p:ext uri="{BB962C8B-B14F-4D97-AF65-F5344CB8AC3E}">
-        <p14:creationId xmlns:p14="http://schemas.microsoft.com/office/powerpoint/2010/main" val="3951101157"/>
-      </p:ext>
-    </p:extLst>
-  </p:cSld>
-  <p:clrMapOvr>
-    <a:masterClrMapping/>
-  </p:clrMapOvr>
-</p:sld>
-</file>
-
-<file path=ppt/slides/slide5.xml><?xml version="1.0" encoding="utf-8"?>
-<p:sld xmlns:a="http://schemas.openxmlformats.org/drawingml/2006/main" xmlns:r="http://schemas.openxmlformats.org/officeDocument/2006/relationships" xmlns:p="http://schemas.openxmlformats.org/presentationml/2006/main">
-  <p:cSld>
-    <p:spTree>
-      <p:nvGrpSpPr>
-        <p:cNvPr id="1" name="">
-          <a:extLst>
-            <a:ext uri="{FF2B5EF4-FFF2-40B4-BE49-F238E27FC236}">
               <a16:creationId xmlns:a16="http://schemas.microsoft.com/office/drawing/2014/main" id="{91B41382-912C-65E9-E633-38C48C49407B}"/>
             </a:ext>
           </a:extLst>
@@ -15085,7 +14714,7 @@
 </p:sld>
 </file>
 
-<file path=ppt/slides/slide6.xml><?xml version="1.0" encoding="utf-8"?>
+<file path=ppt/slides/slide5.xml><?xml version="1.0" encoding="utf-8"?>
 <p:sld xmlns:a="http://schemas.openxmlformats.org/drawingml/2006/main" xmlns:r="http://schemas.openxmlformats.org/officeDocument/2006/relationships" xmlns:p="http://schemas.openxmlformats.org/presentationml/2006/main">
   <p:cSld>
     <p:spTree>
@@ -15135,7 +14764,7 @@
                 <a:latin typeface="Cascadia Mono" panose="020B0609020000020004" pitchFamily="49" charset="0"/>
                 <a:cs typeface="Cascadia Mono" panose="020B0609020000020004" pitchFamily="49" charset="0"/>
               </a:rPr>
-              <a:t>Analysis</a:t>
+              <a:t>Q4 sees 150% increase in sales from Q1</a:t>
             </a:r>
           </a:p>
         </p:txBody>
@@ -15227,7 +14856,7 @@
 </p:sld>
 </file>
 
-<file path=ppt/slides/slide7.xml><?xml version="1.0" encoding="utf-8"?>
+<file path=ppt/slides/slide6.xml><?xml version="1.0" encoding="utf-8"?>
 <p:sld xmlns:a="http://schemas.openxmlformats.org/drawingml/2006/main" xmlns:r="http://schemas.openxmlformats.org/officeDocument/2006/relationships" xmlns:p="http://schemas.openxmlformats.org/presentationml/2006/main">
   <p:cSld>
     <p:spTree>
@@ -15277,7 +14906,7 @@
                 <a:latin typeface="Cascadia Mono" panose="020B0609020000020004" pitchFamily="49" charset="0"/>
                 <a:cs typeface="Cascadia Mono" panose="020B0609020000020004" pitchFamily="49" charset="0"/>
               </a:rPr>
-              <a:t>Analysis</a:t>
+              <a:t>November, highest revenue generating month</a:t>
             </a:r>
           </a:p>
         </p:txBody>
@@ -15369,7 +14998,7 @@
 </p:sld>
 </file>
 
-<file path=ppt/slides/slide8.xml><?xml version="1.0" encoding="utf-8"?>
+<file path=ppt/slides/slide7.xml><?xml version="1.0" encoding="utf-8"?>
 <p:sld xmlns:a="http://schemas.openxmlformats.org/drawingml/2006/main" xmlns:r="http://schemas.openxmlformats.org/officeDocument/2006/relationships" xmlns:p="http://schemas.openxmlformats.org/presentationml/2006/main">
   <p:cSld>
     <p:spTree>
@@ -15419,7 +15048,7 @@
                 <a:latin typeface="Cascadia Mono" panose="020B0609020000020004" pitchFamily="49" charset="0"/>
                 <a:cs typeface="Cascadia Mono" panose="020B0609020000020004" pitchFamily="49" charset="0"/>
               </a:rPr>
-              <a:t>Analysis</a:t>
+              <a:t>Technology generated 13% more revenue than Furniture</a:t>
             </a:r>
           </a:p>
         </p:txBody>
@@ -15511,7 +15140,7 @@
 </p:sld>
 </file>
 
-<file path=ppt/slides/slide9.xml><?xml version="1.0" encoding="utf-8"?>
+<file path=ppt/slides/slide8.xml><?xml version="1.0" encoding="utf-8"?>
 <p:sld xmlns:a="http://schemas.openxmlformats.org/drawingml/2006/main" xmlns:r="http://schemas.openxmlformats.org/officeDocument/2006/relationships" xmlns:p="http://schemas.openxmlformats.org/presentationml/2006/main">
   <p:cSld>
     <p:spTree>
@@ -15561,7 +15190,7 @@
                 <a:latin typeface="Cascadia Mono" panose="020B0609020000020004" pitchFamily="49" charset="0"/>
                 <a:cs typeface="Cascadia Mono" panose="020B0609020000020004" pitchFamily="49" charset="0"/>
               </a:rPr>
-              <a:t>Analysis</a:t>
+              <a:t>Office Supplies dominates by 6000+ orders</a:t>
             </a:r>
           </a:p>
         </p:txBody>
@@ -15644,6 +15273,148 @@
     <p:extLst>
       <p:ext uri="{BB962C8B-B14F-4D97-AF65-F5344CB8AC3E}">
         <p14:creationId xmlns:p14="http://schemas.microsoft.com/office/powerpoint/2010/main" val="2206492996"/>
+      </p:ext>
+    </p:extLst>
+  </p:cSld>
+  <p:clrMapOvr>
+    <a:masterClrMapping/>
+  </p:clrMapOvr>
+</p:sld>
+</file>
+
+<file path=ppt/slides/slide9.xml><?xml version="1.0" encoding="utf-8"?>
+<p:sld xmlns:a="http://schemas.openxmlformats.org/drawingml/2006/main" xmlns:r="http://schemas.openxmlformats.org/officeDocument/2006/relationships" xmlns:p="http://schemas.openxmlformats.org/presentationml/2006/main">
+  <p:cSld>
+    <p:spTree>
+      <p:nvGrpSpPr>
+        <p:cNvPr id="1" name="">
+          <a:extLst>
+            <a:ext uri="{FF2B5EF4-FFF2-40B4-BE49-F238E27FC236}">
+              <a16:creationId xmlns:a16="http://schemas.microsoft.com/office/drawing/2014/main" id="{B99A3338-F789-BFAF-D1E7-8D9FD25234CB}"/>
+            </a:ext>
+          </a:extLst>
+        </p:cNvPr>
+        <p:cNvGrpSpPr/>
+        <p:nvPr/>
+      </p:nvGrpSpPr>
+      <p:grpSpPr>
+        <a:xfrm>
+          <a:off x="0" y="0"/>
+          <a:ext cx="0" cy="0"/>
+          <a:chOff x="0" y="0"/>
+          <a:chExt cx="0" cy="0"/>
+        </a:xfrm>
+      </p:grpSpPr>
+      <p:sp>
+        <p:nvSpPr>
+          <p:cNvPr id="2" name="Title 1">
+            <a:extLst>
+              <a:ext uri="{FF2B5EF4-FFF2-40B4-BE49-F238E27FC236}">
+                <a16:creationId xmlns:a16="http://schemas.microsoft.com/office/drawing/2014/main" id="{A4BB207C-850B-4D8B-AA02-01E0C6B6C540}"/>
+              </a:ext>
+            </a:extLst>
+          </p:cNvPr>
+          <p:cNvSpPr>
+            <a:spLocks noGrp="1"/>
+          </p:cNvSpPr>
+          <p:nvPr>
+            <p:ph type="title"/>
+          </p:nvPr>
+        </p:nvSpPr>
+        <p:spPr/>
+        <p:txBody>
+          <a:bodyPr/>
+          <a:lstStyle/>
+          <a:p>
+            <a:pPr algn="ctr"/>
+            <a:r>
+              <a:rPr lang="en-IN" dirty="0">
+                <a:latin typeface="Cascadia Mono" panose="020B0609020000020004" pitchFamily="49" charset="0"/>
+                <a:cs typeface="Cascadia Mono" panose="020B0609020000020004" pitchFamily="49" charset="0"/>
+              </a:rPr>
+              <a:t>Staple, Paper and Binder drive the maximum volume</a:t>
+            </a:r>
+          </a:p>
+        </p:txBody>
+      </p:sp>
+      <p:pic>
+        <p:nvPicPr>
+          <p:cNvPr id="4" name="Graphic 3">
+            <a:extLst>
+              <a:ext uri="{FF2B5EF4-FFF2-40B4-BE49-F238E27FC236}">
+                <a16:creationId xmlns:a16="http://schemas.microsoft.com/office/drawing/2014/main" id="{72E9358E-005F-57C8-3C2D-2C26956F72C6}"/>
+              </a:ext>
+            </a:extLst>
+          </p:cNvPr>
+          <p:cNvPicPr>
+            <a:picLocks noChangeAspect="1"/>
+          </p:cNvPicPr>
+          <p:nvPr/>
+        </p:nvPicPr>
+        <p:blipFill>
+          <a:blip r:embed="rId2">
+            <a:extLst>
+              <a:ext uri="{96DAC541-7B7A-43D3-8B79-37D633B846F1}">
+                <asvg:svgBlip xmlns:asvg="http://schemas.microsoft.com/office/drawing/2016/SVG/main" r:embed="rId3"/>
+              </a:ext>
+            </a:extLst>
+          </a:blip>
+          <a:stretch>
+            <a:fillRect/>
+          </a:stretch>
+        </p:blipFill>
+        <p:spPr>
+          <a:xfrm>
+            <a:off x="5634402" y="5596834"/>
+            <a:ext cx="900000" cy="900000"/>
+          </a:xfrm>
+          <a:prstGeom prst="rect">
+            <a:avLst/>
+          </a:prstGeom>
+        </p:spPr>
+      </p:pic>
+      <p:pic>
+        <p:nvPicPr>
+          <p:cNvPr id="8" name="Content Placeholder 7">
+            <a:extLst>
+              <a:ext uri="{FF2B5EF4-FFF2-40B4-BE49-F238E27FC236}">
+                <a16:creationId xmlns:a16="http://schemas.microsoft.com/office/drawing/2014/main" id="{CBE323C6-6B2F-DABD-0844-E788185D0299}"/>
+              </a:ext>
+            </a:extLst>
+          </p:cNvPr>
+          <p:cNvPicPr>
+            <a:picLocks noGrp="1" noChangeAspect="1"/>
+          </p:cNvPicPr>
+          <p:nvPr>
+            <p:ph idx="1"/>
+          </p:nvPr>
+        </p:nvPicPr>
+        <p:blipFill>
+          <a:blip r:embed="rId4">
+            <a:extLst>
+              <a:ext uri="{28A0092B-C50C-407E-A947-70E740481C1C}">
+                <a14:useLocalDpi xmlns:a14="http://schemas.microsoft.com/office/drawing/2010/main" val="0"/>
+              </a:ext>
+            </a:extLst>
+          </a:blip>
+          <a:stretch>
+            <a:fillRect/>
+          </a:stretch>
+        </p:blipFill>
+        <p:spPr>
+          <a:xfrm>
+            <a:off x="3211455" y="1813992"/>
+            <a:ext cx="5769089" cy="3247537"/>
+          </a:xfrm>
+          <a:prstGeom prst="rect">
+            <a:avLst/>
+          </a:prstGeom>
+        </p:spPr>
+      </p:pic>
+    </p:spTree>
+    <p:extLst>
+      <p:ext uri="{BB962C8B-B14F-4D97-AF65-F5344CB8AC3E}">
+        <p14:creationId xmlns:p14="http://schemas.microsoft.com/office/powerpoint/2010/main" val="1973979031"/>
       </p:ext>
     </p:extLst>
   </p:cSld>
